--- a/content/s18/cse115/media/115Slides/3-Functions.pptx
+++ b/content/s18/cse115/media/115Slides/3-Functions.pptx
@@ -206,7 +206,7 @@
           <a:p>
             <a:fld id="{E43CAD67-EA07-6E43-B513-90AD5AC9B4AC}" type="datetimeFigureOut">
               <a:rPr lang="en-US" smtClean="0"/>
-              <a:t>2/11/17</a:t>
+              <a:t>2/5/18</a:t>
             </a:fld>
             <a:endParaRPr lang="en-US"/>
           </a:p>
@@ -655,7 +655,7 @@
           <a:p>
             <a:fld id="{37294231-DEF7-9C44-8263-6D85FFAC3F1A}" type="datetimeFigureOut">
               <a:rPr lang="en-US" smtClean="0"/>
-              <a:t>2/11/17</a:t>
+              <a:t>2/5/18</a:t>
             </a:fld>
             <a:endParaRPr lang="en-US"/>
           </a:p>
@@ -825,7 +825,7 @@
           <a:p>
             <a:fld id="{37294231-DEF7-9C44-8263-6D85FFAC3F1A}" type="datetimeFigureOut">
               <a:rPr lang="en-US" smtClean="0"/>
-              <a:t>2/11/17</a:t>
+              <a:t>2/5/18</a:t>
             </a:fld>
             <a:endParaRPr lang="en-US"/>
           </a:p>
@@ -1005,7 +1005,7 @@
           <a:p>
             <a:fld id="{37294231-DEF7-9C44-8263-6D85FFAC3F1A}" type="datetimeFigureOut">
               <a:rPr lang="en-US" smtClean="0"/>
-              <a:t>2/11/17</a:t>
+              <a:t>2/5/18</a:t>
             </a:fld>
             <a:endParaRPr lang="en-US"/>
           </a:p>
@@ -1175,7 +1175,7 @@
           <a:p>
             <a:fld id="{37294231-DEF7-9C44-8263-6D85FFAC3F1A}" type="datetimeFigureOut">
               <a:rPr lang="en-US" smtClean="0"/>
-              <a:t>2/11/17</a:t>
+              <a:t>2/5/18</a:t>
             </a:fld>
             <a:endParaRPr lang="en-US"/>
           </a:p>
@@ -1421,7 +1421,7 @@
           <a:p>
             <a:fld id="{37294231-DEF7-9C44-8263-6D85FFAC3F1A}" type="datetimeFigureOut">
               <a:rPr lang="en-US" smtClean="0"/>
-              <a:t>2/11/17</a:t>
+              <a:t>2/5/18</a:t>
             </a:fld>
             <a:endParaRPr lang="en-US"/>
           </a:p>
@@ -1709,7 +1709,7 @@
           <a:p>
             <a:fld id="{37294231-DEF7-9C44-8263-6D85FFAC3F1A}" type="datetimeFigureOut">
               <a:rPr lang="en-US" smtClean="0"/>
-              <a:t>2/11/17</a:t>
+              <a:t>2/5/18</a:t>
             </a:fld>
             <a:endParaRPr lang="en-US"/>
           </a:p>
@@ -2131,7 +2131,7 @@
           <a:p>
             <a:fld id="{37294231-DEF7-9C44-8263-6D85FFAC3F1A}" type="datetimeFigureOut">
               <a:rPr lang="en-US" smtClean="0"/>
-              <a:t>2/11/17</a:t>
+              <a:t>2/5/18</a:t>
             </a:fld>
             <a:endParaRPr lang="en-US"/>
           </a:p>
@@ -2249,7 +2249,7 @@
           <a:p>
             <a:fld id="{37294231-DEF7-9C44-8263-6D85FFAC3F1A}" type="datetimeFigureOut">
               <a:rPr lang="en-US" smtClean="0"/>
-              <a:t>2/11/17</a:t>
+              <a:t>2/5/18</a:t>
             </a:fld>
             <a:endParaRPr lang="en-US"/>
           </a:p>
@@ -2344,7 +2344,7 @@
           <a:p>
             <a:fld id="{37294231-DEF7-9C44-8263-6D85FFAC3F1A}" type="datetimeFigureOut">
               <a:rPr lang="en-US" smtClean="0"/>
-              <a:t>2/11/17</a:t>
+              <a:t>2/5/18</a:t>
             </a:fld>
             <a:endParaRPr lang="en-US"/>
           </a:p>
@@ -2621,7 +2621,7 @@
           <a:p>
             <a:fld id="{37294231-DEF7-9C44-8263-6D85FFAC3F1A}" type="datetimeFigureOut">
               <a:rPr lang="en-US" smtClean="0"/>
-              <a:t>2/11/17</a:t>
+              <a:t>2/5/18</a:t>
             </a:fld>
             <a:endParaRPr lang="en-US"/>
           </a:p>
@@ -2878,7 +2878,7 @@
           <a:p>
             <a:fld id="{37294231-DEF7-9C44-8263-6D85FFAC3F1A}" type="datetimeFigureOut">
               <a:rPr lang="en-US" smtClean="0"/>
-              <a:t>2/11/17</a:t>
+              <a:t>2/5/18</a:t>
             </a:fld>
             <a:endParaRPr lang="en-US"/>
           </a:p>
@@ -3091,7 +3091,7 @@
           <a:p>
             <a:fld id="{37294231-DEF7-9C44-8263-6D85FFAC3F1A}" type="datetimeFigureOut">
               <a:rPr lang="en-US" smtClean="0"/>
-              <a:t>2/11/17</a:t>
+              <a:t>2/5/18</a:t>
             </a:fld>
             <a:endParaRPr lang="en-US"/>
           </a:p>
@@ -3485,7 +3485,7 @@
           <a:p>
             <a:r>
               <a:rPr lang="en-US" sz="9600" dirty="0" smtClean="0"/>
-              <a:t>Functions</a:t>
+              <a:t>Methods</a:t>
             </a:r>
             <a:endParaRPr lang="en-US" sz="9600" dirty="0"/>
           </a:p>
@@ -3791,7 +3791,6 @@
               <a:rPr lang="en-US" dirty="0" smtClean="0"/>
               <a:t>Let the computer remember the details while we think about the next task</a:t>
             </a:r>
-            <a:endParaRPr lang="en-US" dirty="0" smtClean="0"/>
           </a:p>
           <a:p>
             <a:endParaRPr lang="en-US" dirty="0" smtClean="0"/>
@@ -4242,11 +4241,7 @@
           <a:p>
             <a:r>
               <a:rPr lang="en-US" dirty="0" smtClean="0"/>
-              <a:t>To </a:t>
-            </a:r>
-            <a:r>
-              <a:rPr lang="en-US" dirty="0" smtClean="0"/>
-              <a:t>method examples</a:t>
+              <a:t>To method examples</a:t>
             </a:r>
             <a:endParaRPr lang="en-US" dirty="0"/>
           </a:p>
@@ -4357,7 +4352,6 @@
               <a:rPr lang="en-US" sz="3600" dirty="0" smtClean="0"/>
               <a:t>Remember how to perform tasks</a:t>
             </a:r>
-            <a:endParaRPr lang="en-US" sz="3600" dirty="0" smtClean="0"/>
           </a:p>
           <a:p>
             <a:endParaRPr lang="en-US" dirty="0" smtClean="0"/>
@@ -4450,7 +4444,6 @@
               <a:rPr lang="en-US" sz="3600" dirty="0" smtClean="0"/>
               <a:t>Don’t get lost in the details</a:t>
             </a:r>
-            <a:endParaRPr lang="en-US" sz="3600" dirty="0" smtClean="0"/>
           </a:p>
         </p:txBody>
       </p:sp>
@@ -4603,7 +4596,7 @@
           <a:p>
             <a:r>
               <a:rPr lang="en-US" sz="6000" dirty="0" smtClean="0"/>
-              <a:t>Function</a:t>
+              <a:t>Methods</a:t>
             </a:r>
             <a:endParaRPr lang="en-US" sz="6000" dirty="0"/>
           </a:p>
@@ -4639,7 +4632,6 @@
               <a:rPr lang="en-US" dirty="0" smtClean="0"/>
               <a:t>Define exact instructions to perform a specific task</a:t>
             </a:r>
-            <a:endParaRPr lang="en-US" dirty="0" smtClean="0"/>
           </a:p>
           <a:p>
             <a:pPr marL="514350" indent="-514350">
@@ -4657,7 +4649,6 @@
               <a:rPr lang="en-US" dirty="0" smtClean="0"/>
               <a:t>Name the task</a:t>
             </a:r>
-            <a:endParaRPr lang="en-US" dirty="0" smtClean="0"/>
           </a:p>
           <a:p>
             <a:pPr marL="514350" indent="-514350">
@@ -4682,7 +4673,6 @@
               <a:rPr lang="en-US" dirty="0" smtClean="0"/>
               <a:t>Ignore the details</a:t>
             </a:r>
-            <a:endParaRPr lang="en-US" dirty="0" smtClean="0"/>
           </a:p>
           <a:p>
             <a:pPr marL="914400" lvl="1" indent="-514350"/>
@@ -5035,7 +5025,7 @@
           <a:p>
             <a:r>
               <a:rPr lang="en-US" sz="6000" dirty="0" smtClean="0"/>
-              <a:t>Function </a:t>
+              <a:t>Method</a:t>
             </a:r>
             <a:endParaRPr lang="en-US" sz="6000" dirty="0"/>
           </a:p>
@@ -5178,7 +5168,7 @@
           <a:p>
             <a:r>
               <a:rPr lang="en-US" dirty="0" smtClean="0"/>
-              <a:t>As a Function</a:t>
+              <a:t>As a Method</a:t>
             </a:r>
             <a:endParaRPr lang="en-US" dirty="0"/>
           </a:p>
@@ -5280,7 +5270,7 @@
           <a:p>
             <a:r>
               <a:rPr lang="en-US" dirty="0" smtClean="0"/>
-              <a:t>As a combination of Functions</a:t>
+              <a:t>As a combination of Methods</a:t>
             </a:r>
             <a:endParaRPr lang="en-US" dirty="0"/>
           </a:p>
@@ -5735,7 +5725,7 @@
           <a:p>
             <a:r>
               <a:rPr lang="en-US" dirty="0" smtClean="0"/>
-              <a:t>Without Functions</a:t>
+              <a:t>Without Methods</a:t>
             </a:r>
             <a:endParaRPr lang="en-US" dirty="0"/>
           </a:p>
